--- a/Final Data/Project Showcase.pptx
+++ b/Final Data/Project Showcase.pptx
@@ -110,6 +110,11 @@
       </a:defRPr>
     </a:lvl9pPr>
   </p:defaultTextStyle>
+  <p:extLst>
+    <p:ext uri="{EFAFB233-063F-42B5-8137-9DF3F51BA10A}">
+      <p15:sldGuideLst xmlns:p15="http://schemas.microsoft.com/office/powerpoint/2012/main"/>
+    </p:ext>
+  </p:extLst>
 </p:presentation>
 </file>
 
@@ -9229,8 +9234,12 @@
           </a:p>
           <a:p>
             <a:r>
+              <a:rPr lang="en-US" sz="2000" b="1"/>
+              <a:t>Prototype </a:t>
+            </a:r>
+            <a:r>
               <a:rPr lang="en-US" sz="2000" b="1" dirty="0"/>
-              <a:t>Protype Testing</a:t>
+              <a:t>Testing</a:t>
             </a:r>
           </a:p>
           <a:p>

--- a/Final Data/Project Showcase.pptx
+++ b/Final Data/Project Showcase.pptx
@@ -3505,7 +3505,7 @@
           <a:p>
             <a:fld id="{FD46C50F-747F-4C39-9BBF-374B7CBBA4E7}" type="datetimeFigureOut">
               <a:rPr lang="en-CA" smtClean="0"/>
-              <a:t>2020-04-08</a:t>
+              <a:t>2020-04-09</a:t>
             </a:fld>
             <a:endParaRPr lang="en-CA"/>
           </a:p>
@@ -3705,7 +3705,7 @@
           <a:p>
             <a:fld id="{FD46C50F-747F-4C39-9BBF-374B7CBBA4E7}" type="datetimeFigureOut">
               <a:rPr lang="en-CA" smtClean="0"/>
-              <a:t>2020-04-08</a:t>
+              <a:t>2020-04-09</a:t>
             </a:fld>
             <a:endParaRPr lang="en-CA"/>
           </a:p>
@@ -3915,7 +3915,7 @@
           <a:p>
             <a:fld id="{FD46C50F-747F-4C39-9BBF-374B7CBBA4E7}" type="datetimeFigureOut">
               <a:rPr lang="en-CA" smtClean="0"/>
-              <a:t>2020-04-08</a:t>
+              <a:t>2020-04-09</a:t>
             </a:fld>
             <a:endParaRPr lang="en-CA"/>
           </a:p>
@@ -4115,7 +4115,7 @@
           <a:p>
             <a:fld id="{FD46C50F-747F-4C39-9BBF-374B7CBBA4E7}" type="datetimeFigureOut">
               <a:rPr lang="en-CA" smtClean="0"/>
-              <a:t>2020-04-08</a:t>
+              <a:t>2020-04-09</a:t>
             </a:fld>
             <a:endParaRPr lang="en-CA"/>
           </a:p>
@@ -4391,7 +4391,7 @@
           <a:p>
             <a:fld id="{FD46C50F-747F-4C39-9BBF-374B7CBBA4E7}" type="datetimeFigureOut">
               <a:rPr lang="en-CA" smtClean="0"/>
-              <a:t>2020-04-08</a:t>
+              <a:t>2020-04-09</a:t>
             </a:fld>
             <a:endParaRPr lang="en-CA"/>
           </a:p>
@@ -4659,7 +4659,7 @@
           <a:p>
             <a:fld id="{FD46C50F-747F-4C39-9BBF-374B7CBBA4E7}" type="datetimeFigureOut">
               <a:rPr lang="en-CA" smtClean="0"/>
-              <a:t>2020-04-08</a:t>
+              <a:t>2020-04-09</a:t>
             </a:fld>
             <a:endParaRPr lang="en-CA"/>
           </a:p>
@@ -5074,7 +5074,7 @@
           <a:p>
             <a:fld id="{FD46C50F-747F-4C39-9BBF-374B7CBBA4E7}" type="datetimeFigureOut">
               <a:rPr lang="en-CA" smtClean="0"/>
-              <a:t>2020-04-08</a:t>
+              <a:t>2020-04-09</a:t>
             </a:fld>
             <a:endParaRPr lang="en-CA"/>
           </a:p>
@@ -5216,7 +5216,7 @@
           <a:p>
             <a:fld id="{FD46C50F-747F-4C39-9BBF-374B7CBBA4E7}" type="datetimeFigureOut">
               <a:rPr lang="en-CA" smtClean="0"/>
-              <a:t>2020-04-08</a:t>
+              <a:t>2020-04-09</a:t>
             </a:fld>
             <a:endParaRPr lang="en-CA"/>
           </a:p>
@@ -5329,7 +5329,7 @@
           <a:p>
             <a:fld id="{FD46C50F-747F-4C39-9BBF-374B7CBBA4E7}" type="datetimeFigureOut">
               <a:rPr lang="en-CA" smtClean="0"/>
-              <a:t>2020-04-08</a:t>
+              <a:t>2020-04-09</a:t>
             </a:fld>
             <a:endParaRPr lang="en-CA"/>
           </a:p>
@@ -5642,7 +5642,7 @@
           <a:p>
             <a:fld id="{FD46C50F-747F-4C39-9BBF-374B7CBBA4E7}" type="datetimeFigureOut">
               <a:rPr lang="en-CA" smtClean="0"/>
-              <a:t>2020-04-08</a:t>
+              <a:t>2020-04-09</a:t>
             </a:fld>
             <a:endParaRPr lang="en-CA"/>
           </a:p>
@@ -5931,7 +5931,7 @@
           <a:p>
             <a:fld id="{FD46C50F-747F-4C39-9BBF-374B7CBBA4E7}" type="datetimeFigureOut">
               <a:rPr lang="en-CA" smtClean="0"/>
-              <a:t>2020-04-08</a:t>
+              <a:t>2020-04-09</a:t>
             </a:fld>
             <a:endParaRPr lang="en-CA"/>
           </a:p>
@@ -6174,7 +6174,7 @@
           <a:p>
             <a:fld id="{FD46C50F-747F-4C39-9BBF-374B7CBBA4E7}" type="datetimeFigureOut">
               <a:rPr lang="en-CA" smtClean="0"/>
-              <a:t>2020-04-08</a:t>
+              <a:t>2020-04-09</a:t>
             </a:fld>
             <a:endParaRPr lang="en-CA"/>
           </a:p>
@@ -7079,7 +7079,7 @@
           <a:lstStyle/>
           <a:p>
             <a:r>
-              <a:rPr lang="en-CA" sz="7200"/>
+              <a:rPr lang="en-CA" sz="7200" dirty="0"/>
               <a:t>Hospital Bed Management</a:t>
             </a:r>
           </a:p>
@@ -7109,13 +7109,21 @@
         </p:spPr>
         <p:txBody>
           <a:bodyPr anchor="ctr">
-            <a:normAutofit/>
+            <a:normAutofit fontScale="85000" lnSpcReduction="10000"/>
           </a:bodyPr>
           <a:lstStyle/>
           <a:p>
             <a:r>
-              <a:rPr lang="en-CA" sz="2800"/>
-              <a:t>Lakshmi &amp; Paddy</a:t>
+              <a:rPr lang="en-CA" sz="2800" b="1" dirty="0"/>
+              <a:t>Lakshmi Priya </a:t>
+            </a:r>
+            <a:r>
+              <a:rPr lang="en-CA" sz="2800" b="1" dirty="0" err="1"/>
+              <a:t>Kenday</a:t>
+            </a:r>
+            <a:r>
+              <a:rPr lang="en-CA" sz="2800" b="1" dirty="0"/>
+              <a:t> Sivaram &amp;  Padmanabhan Rajendrakumar </a:t>
             </a:r>
           </a:p>
         </p:txBody>
@@ -7586,7 +7594,7 @@
           <a:p>
             <a:r>
               <a:rPr lang="en-CA" sz="2000" dirty="0"/>
-              <a:t>To optimise Bed Turnaround process through visualization of bed status in a hospital.</a:t>
+              <a:t>To optimize the Bed Turnaround process in a hospital through visualization of bed status.</a:t>
             </a:r>
           </a:p>
           <a:p>
@@ -7599,7 +7607,7 @@
             </a:br>
             <a:r>
               <a:rPr lang="en-CA" sz="2000" dirty="0"/>
-              <a:t>Primary: 	Unit clerks, Bed Coordinators </a:t>
+              <a:t>Primary: Unit Clerks, Bed Co-ordinators </a:t>
             </a:r>
             <a:br>
               <a:rPr lang="en-CA" sz="2000" dirty="0"/>
@@ -7626,7 +7634,7 @@
             <a:pPr lvl="1"/>
             <a:r>
               <a:rPr lang="en-CA" sz="2000" dirty="0"/>
-              <a:t>What’s the occupancy rate in each Units?</a:t>
+              <a:t>What’s the occupancy rate in each unit?</a:t>
             </a:r>
           </a:p>
           <a:p>
@@ -8643,13 +8651,13 @@
           <a:p>
             <a:r>
               <a:rPr lang="en-US" dirty="0"/>
-              <a:t>BTAT metrics provided by Fraser health.</a:t>
+              <a:t>BTAT(Bed Turnaround Time) metrics provided by Fraser Health.</a:t>
             </a:r>
           </a:p>
           <a:p>
             <a:r>
               <a:rPr lang="en-US" dirty="0"/>
-              <a:t>other data is simulated using known metrics.</a:t>
+              <a:t>Other data is synthesized using known metrics.</a:t>
             </a:r>
           </a:p>
           <a:p>
@@ -9164,7 +9172,7 @@
           <a:p>
             <a:r>
               <a:rPr lang="en-US" sz="2000" b="1" dirty="0"/>
-              <a:t>Formative design </a:t>
+              <a:t>Formative Design </a:t>
             </a:r>
             <a:r>
               <a:rPr lang="en-US" sz="2000" dirty="0"/>
@@ -9178,7 +9186,7 @@
             </a:pPr>
             <a:r>
               <a:rPr lang="en-US" sz="2000" dirty="0"/>
-              <a:t>will include understanding the </a:t>
+              <a:t>Will include understanding the </a:t>
             </a:r>
             <a:r>
               <a:rPr lang="en-US" sz="2000" b="1" dirty="0"/>
@@ -9204,7 +9212,7 @@
             </a:pPr>
             <a:r>
               <a:rPr lang="en-US" sz="2000" dirty="0"/>
-              <a:t>If available, Analyzing the </a:t>
+              <a:t>If available, analyzing the </a:t>
             </a:r>
             <a:r>
               <a:rPr lang="en-US" sz="2000" b="1" dirty="0"/>
@@ -9234,12 +9242,8 @@
           </a:p>
           <a:p>
             <a:r>
-              <a:rPr lang="en-US" sz="2000" b="1"/>
-              <a:t>Prototype </a:t>
-            </a:r>
-            <a:r>
               <a:rPr lang="en-US" sz="2000" b="1" dirty="0"/>
-              <a:t>Testing</a:t>
+              <a:t>Prototype Testing</a:t>
             </a:r>
           </a:p>
           <a:p>
@@ -9249,7 +9253,7 @@
             </a:pPr>
             <a:r>
               <a:rPr lang="en-CA" sz="2000" dirty="0"/>
-              <a:t>walkthrough the design with users.</a:t>
+              <a:t>Walkthrough the design with users.</a:t>
             </a:r>
           </a:p>
           <a:p>
